--- a/Day 11-13/Slides/11. Playwright Integration with Various Test Frameworks/playwright-integration-with-various-test-frameworks-slides.pptx
+++ b/Day 11-13/Slides/11. Playwright Integration with Various Test Frameworks/playwright-integration-with-various-test-frameworks-slides.pptx
@@ -26,6 +26,8 @@
     <p:sldId id="300" r:id="rId18"/>
     <p:sldId id="297" r:id="rId20"/>
     <p:sldId id="299" r:id="rId21"/>
+    <p:sldId id="303" r:id="rId22"/>
+    <p:sldId id="304" r:id="rId23"/>
   </p:sldIdLst>
   <p:sldSz cx="18288000" cy="10287000"/>
   <p:notesSz cx="18288000" cy="10287000"/>
@@ -132,7 +134,7 @@
             <a:srgbClr val="A4A3A4"/>
           </p15:clr>
         </p15:guide>
-        <p15:guide id="2" pos="2190" userDrawn="1">
+        <p15:guide id="2" pos="2202" userDrawn="1">
           <p15:clr>
             <a:srgbClr val="A4A3A4"/>
           </p15:clr>
@@ -4910,8 +4912,8 @@
         </p:nvSpPr>
         <p:spPr>
           <a:xfrm>
-            <a:off x="2155190" y="2975610"/>
-            <a:ext cx="3616325" cy="704850"/>
+            <a:off x="187960" y="1257300"/>
+            <a:ext cx="6559550" cy="3380740"/>
           </a:xfrm>
           <a:prstGeom prst="rect">
             <a:avLst/>
@@ -4919,7 +4921,7 @@
         </p:spPr>
         <p:txBody>
           <a:bodyPr vert="horz" wrap="square" lIns="0" tIns="12700" rIns="0" bIns="0" rtlCol="0">
-            <a:spAutoFit/>
+            <a:noAutofit/>
           </a:bodyPr>
           <a:lstStyle/>
           <a:p>
@@ -4939,7 +4941,34 @@
                 <a:latin typeface="Arial" panose="020B0604020202020204"/>
                 <a:cs typeface="Arial" panose="020B0604020202020204"/>
               </a:rPr>
-              <a:t>Summary</a:t>
+              <a:t>Built In and Custom Reporters </a:t>
+            </a:r>
+            <a:endParaRPr lang="en-US" sz="4500" b="1" spc="70" dirty="0">
+              <a:solidFill>
+                <a:srgbClr val="FFFFFF"/>
+              </a:solidFill>
+              <a:latin typeface="Arial" panose="020B0604020202020204"/>
+              <a:cs typeface="Arial" panose="020B0604020202020204"/>
+            </a:endParaRPr>
+          </a:p>
+          <a:p>
+            <a:pPr marL="12700">
+              <a:lnSpc>
+                <a:spcPct val="100000"/>
+              </a:lnSpc>
+              <a:spcBef>
+                <a:spcPts val="100"/>
+              </a:spcBef>
+            </a:pPr>
+            <a:r>
+              <a:rPr lang="en-US" sz="4500" b="1" spc="70" dirty="0">
+                <a:solidFill>
+                  <a:srgbClr val="FFFFFF"/>
+                </a:solidFill>
+                <a:latin typeface="Arial" panose="020B0604020202020204"/>
+                <a:cs typeface="Arial" panose="020B0604020202020204"/>
+              </a:rPr>
+              <a:t>In Playwright</a:t>
             </a:r>
             <a:endParaRPr lang="en-US" sz="4500" b="1" spc="70" dirty="0">
               <a:solidFill>
@@ -5192,6 +5221,232 @@
 </p:sld>
 </file>
 
+<file path=ppt/slides/slide19.xml><?xml version="1.0" encoding="utf-8"?>
+<p:sld xmlns:a="http://schemas.openxmlformats.org/drawingml/2006/main" xmlns:r="http://schemas.openxmlformats.org/officeDocument/2006/relationships" xmlns:p="http://schemas.openxmlformats.org/presentationml/2006/main">
+  <p:cSld>
+    <p:spTree>
+      <p:nvGrpSpPr>
+        <p:cNvPr id="1" name=""/>
+        <p:cNvGrpSpPr/>
+        <p:nvPr/>
+      </p:nvGrpSpPr>
+      <p:grpSpPr/>
+      <p:sp>
+        <p:nvSpPr>
+          <p:cNvPr id="2" name="Title 1"/>
+          <p:cNvSpPr>
+            <a:spLocks noGrp="1"/>
+          </p:cNvSpPr>
+          <p:nvPr>
+            <p:ph type="title"/>
+          </p:nvPr>
+        </p:nvSpPr>
+        <p:spPr>
+          <a:xfrm>
+            <a:off x="2057399" y="265683"/>
+            <a:ext cx="14899640" cy="1230630"/>
+          </a:xfrm>
+        </p:spPr>
+        <p:txBody>
+          <a:bodyPr/>
+          <a:p>
+            <a:pPr algn="ctr"/>
+            <a:r>
+              <a:rPr lang="en-US">
+                <a:highlight>
+                  <a:srgbClr val="000000"/>
+                </a:highlight>
+              </a:rPr>
+              <a:t>Allure Playwright options</a:t>
+            </a:r>
+            <a:endParaRPr lang="en-US">
+              <a:highlight>
+                <a:srgbClr val="000000"/>
+              </a:highlight>
+            </a:endParaRPr>
+          </a:p>
+        </p:txBody>
+      </p:sp>
+      <p:sp>
+        <p:nvSpPr>
+          <p:cNvPr id="3" name="Text Placeholder 2"/>
+          <p:cNvSpPr>
+            <a:spLocks noGrp="1"/>
+          </p:cNvSpPr>
+          <p:nvPr>
+            <p:ph type="body" idx="1"/>
+          </p:nvPr>
+        </p:nvSpPr>
+        <p:spPr>
+          <a:xfrm>
+            <a:off x="838449" y="1790445"/>
+            <a:ext cx="15817850" cy="492125"/>
+          </a:xfrm>
+        </p:spPr>
+        <p:txBody>
+          <a:bodyPr/>
+          <a:p>
+            <a:r>
+              <a:rPr lang="en-US" b="1"/>
+              <a:t>Use the following options to configure Allure Playwright:</a:t>
+            </a:r>
+            <a:endParaRPr lang="en-US" b="1"/>
+          </a:p>
+        </p:txBody>
+      </p:sp>
+      <p:sp>
+        <p:nvSpPr>
+          <p:cNvPr id="4" name="Slide Number Placeholder 3"/>
+          <p:cNvSpPr>
+            <a:spLocks noGrp="1"/>
+          </p:cNvSpPr>
+          <p:nvPr>
+            <p:ph type="sldNum" sz="quarter" idx="7"/>
+          </p:nvPr>
+        </p:nvSpPr>
+        <p:spPr/>
+        <p:txBody>
+          <a:bodyPr/>
+          <a:p>
+            <a:fld id="{B6F15528-21DE-4FAA-801E-634DDDAF4B2B}" type="slidenum">
+              <a:rPr/>
+            </a:fld>
+            <a:endParaRPr/>
+          </a:p>
+        </p:txBody>
+      </p:sp>
+      <p:sp>
+        <p:nvSpPr>
+          <p:cNvPr id="5" name="Text Box 4"/>
+          <p:cNvSpPr txBox="1"/>
+          <p:nvPr/>
+        </p:nvSpPr>
+        <p:spPr>
+          <a:xfrm>
+            <a:off x="76200" y="9733915"/>
+            <a:ext cx="15816580" cy="347345"/>
+          </a:xfrm>
+          <a:prstGeom prst="rect">
+            <a:avLst/>
+          </a:prstGeom>
+        </p:spPr>
+        <p:txBody>
+          <a:bodyPr wrap="square">
+            <a:noAutofit/>
+          </a:bodyPr>
+          <a:p>
+            <a:pPr marL="0" indent="0"/>
+            <a:r>
+              <a:rPr sz="1600" b="0" i="0" u="sng">
+                <a:latin typeface="-apple-system"/>
+                <a:ea typeface="-apple-system"/>
+                <a:hlinkClick r:id="rId1"/>
+              </a:rPr>
+              <a:t>https://allurereport.org/docs/playwright-configuration/</a:t>
+            </a:r>
+            <a:endParaRPr sz="1600" b="0" i="0" u="sng">
+              <a:latin typeface="-apple-system"/>
+              <a:ea typeface="-apple-system"/>
+              <a:hlinkClick r:id="rId1"/>
+            </a:endParaRPr>
+          </a:p>
+          <a:p>
+            <a:pPr marL="0" indent="0"/>
+            <a:r>
+              <a:rPr sz="1600" b="0" i="0">
+                <a:solidFill>
+                  <a:srgbClr val="1F2328"/>
+                </a:solidFill>
+                <a:latin typeface="-apple-system"/>
+                <a:ea typeface="-apple-system"/>
+              </a:rPr>
+              <a:t>.</a:t>
+            </a:r>
+            <a:endParaRPr sz="1600" b="0" i="0">
+              <a:solidFill>
+                <a:srgbClr val="1F2328"/>
+              </a:solidFill>
+              <a:latin typeface="-apple-system"/>
+              <a:ea typeface="-apple-system"/>
+            </a:endParaRPr>
+          </a:p>
+        </p:txBody>
+      </p:sp>
+      <p:sp>
+        <p:nvSpPr>
+          <p:cNvPr id="6" name="Text Box 5"/>
+          <p:cNvSpPr txBox="1"/>
+          <p:nvPr/>
+        </p:nvSpPr>
+        <p:spPr>
+          <a:xfrm>
+            <a:off x="76200" y="9334500"/>
+            <a:ext cx="12198350" cy="337185"/>
+          </a:xfrm>
+          <a:prstGeom prst="rect">
+            <a:avLst/>
+          </a:prstGeom>
+        </p:spPr>
+        <p:txBody>
+          <a:bodyPr wrap="square">
+            <a:spAutoFit/>
+          </a:bodyPr>
+          <a:p>
+            <a:pPr defTabSz="266700"/>
+            <a:r>
+              <a:rPr sz="1600" u="sng">
+                <a:solidFill>
+                  <a:srgbClr val="0000FF"/>
+                </a:solidFill>
+                <a:latin typeface="Calibri" panose="020F0502020204030204"/>
+                <a:ea typeface="Calibri" panose="020F0502020204030204"/>
+                <a:hlinkClick r:id="rId2" action="ppaction://hlinkfile"/>
+              </a:rPr>
+              <a:t>https://allurereport.org/docs/playwright-reference/#metadata</a:t>
+            </a:r>
+            <a:endParaRPr sz="1600" u="sng">
+              <a:solidFill>
+                <a:srgbClr val="0000FF"/>
+              </a:solidFill>
+              <a:latin typeface="Calibri" panose="020F0502020204030204"/>
+              <a:ea typeface="Calibri" panose="020F0502020204030204"/>
+              <a:hlinkClick r:id="rId2" action="ppaction://hlinkfile"/>
+            </a:endParaRPr>
+          </a:p>
+        </p:txBody>
+      </p:sp>
+      <p:pic>
+        <p:nvPicPr>
+          <p:cNvPr id="7" name="Picture 6"/>
+          <p:cNvPicPr>
+            <a:picLocks noChangeAspect="1"/>
+          </p:cNvPicPr>
+          <p:nvPr/>
+        </p:nvPicPr>
+        <p:blipFill>
+          <a:blip r:embed="rId3"/>
+          <a:stretch>
+            <a:fillRect/>
+          </a:stretch>
+        </p:blipFill>
+        <p:spPr>
+          <a:xfrm>
+            <a:off x="2286000" y="2733675"/>
+            <a:ext cx="14990445" cy="5781040"/>
+          </a:xfrm>
+          <a:prstGeom prst="rect">
+            <a:avLst/>
+          </a:prstGeom>
+        </p:spPr>
+      </p:pic>
+    </p:spTree>
+  </p:cSld>
+  <p:clrMapOvr>
+    <a:masterClrMapping/>
+  </p:clrMapOvr>
+</p:sld>
+</file>
+
 <file path=ppt/slides/slide2.xml><?xml version="1.0" encoding="utf-8"?>
 <p:sld xmlns:a="http://schemas.openxmlformats.org/drawingml/2006/main" xmlns:r="http://schemas.openxmlformats.org/officeDocument/2006/relationships" xmlns:p="http://schemas.openxmlformats.org/presentationml/2006/main" showMasterSp="0">
   <p:cSld>
@@ -5250,6 +5505,232 @@
           </a:prstGeom>
         </p:spPr>
       </p:pic>
+    </p:spTree>
+  </p:cSld>
+  <p:clrMapOvr>
+    <a:masterClrMapping/>
+  </p:clrMapOvr>
+</p:sld>
+</file>
+
+<file path=ppt/slides/slide20.xml><?xml version="1.0" encoding="utf-8"?>
+<p:sld xmlns:a="http://schemas.openxmlformats.org/drawingml/2006/main" xmlns:r="http://schemas.openxmlformats.org/officeDocument/2006/relationships" xmlns:p="http://schemas.openxmlformats.org/presentationml/2006/main">
+  <p:cSld>
+    <p:spTree>
+      <p:nvGrpSpPr>
+        <p:cNvPr id="1" name=""/>
+        <p:cNvGrpSpPr/>
+        <p:nvPr/>
+      </p:nvGrpSpPr>
+      <p:grpSpPr>
+        <a:xfrm>
+          <a:off x="0" y="0"/>
+          <a:ext cx="0" cy="0"/>
+          <a:chOff x="0" y="0"/>
+          <a:chExt cx="0" cy="0"/>
+        </a:xfrm>
+      </p:grpSpPr>
+      <p:pic>
+        <p:nvPicPr>
+          <p:cNvPr id="2" name="object 2"/>
+          <p:cNvPicPr/>
+          <p:nvPr/>
+        </p:nvPicPr>
+        <p:blipFill>
+          <a:blip r:embed="rId1" cstate="print"/>
+          <a:stretch>
+            <a:fillRect/>
+          </a:stretch>
+        </p:blipFill>
+        <p:spPr>
+          <a:xfrm>
+            <a:off x="0" y="0"/>
+            <a:ext cx="6991350" cy="10286999"/>
+          </a:xfrm>
+          <a:prstGeom prst="rect">
+            <a:avLst/>
+          </a:prstGeom>
+        </p:spPr>
+      </p:pic>
+      <p:sp>
+        <p:nvSpPr>
+          <p:cNvPr id="5" name="object 5"/>
+          <p:cNvSpPr txBox="1"/>
+          <p:nvPr/>
+        </p:nvSpPr>
+        <p:spPr>
+          <a:xfrm>
+            <a:off x="2155190" y="2975610"/>
+            <a:ext cx="3616325" cy="704850"/>
+          </a:xfrm>
+          <a:prstGeom prst="rect">
+            <a:avLst/>
+          </a:prstGeom>
+        </p:spPr>
+        <p:txBody>
+          <a:bodyPr vert="horz" wrap="square" lIns="0" tIns="12700" rIns="0" bIns="0" rtlCol="0">
+            <a:spAutoFit/>
+          </a:bodyPr>
+          <a:lstStyle/>
+          <a:p>
+            <a:pPr marL="12700">
+              <a:lnSpc>
+                <a:spcPct val="100000"/>
+              </a:lnSpc>
+              <a:spcBef>
+                <a:spcPts val="100"/>
+              </a:spcBef>
+            </a:pPr>
+            <a:r>
+              <a:rPr lang="en-US" sz="4500" b="1" spc="70" dirty="0">
+                <a:solidFill>
+                  <a:srgbClr val="FFFFFF"/>
+                </a:solidFill>
+                <a:latin typeface="Arial" panose="020B0604020202020204"/>
+                <a:cs typeface="Arial" panose="020B0604020202020204"/>
+              </a:rPr>
+              <a:t>Summary</a:t>
+            </a:r>
+            <a:endParaRPr lang="en-US" sz="4500" b="1" spc="70" dirty="0">
+              <a:solidFill>
+                <a:srgbClr val="FFFFFF"/>
+              </a:solidFill>
+              <a:latin typeface="Arial" panose="020B0604020202020204"/>
+              <a:cs typeface="Arial" panose="020B0604020202020204"/>
+            </a:endParaRPr>
+          </a:p>
+        </p:txBody>
+      </p:sp>
+      <p:sp>
+        <p:nvSpPr>
+          <p:cNvPr id="6" name="Slide Number Placeholder 5"/>
+          <p:cNvSpPr>
+            <a:spLocks noGrp="1"/>
+          </p:cNvSpPr>
+          <p:nvPr>
+            <p:ph type="sldNum" sz="quarter" idx="7"/>
+          </p:nvPr>
+        </p:nvSpPr>
+        <p:spPr/>
+        <p:txBody>
+          <a:bodyPr/>
+          <a:lstStyle/>
+          <a:p>
+            <a:fld id="{B6F15528-21DE-4FAA-801E-634DDDAF4B2B}" type="slidenum">
+              <a:rPr lang="en-IN" smtClean="0"/>
+            </a:fld>
+            <a:endParaRPr lang="en-IN"/>
+          </a:p>
+        </p:txBody>
+      </p:sp>
+      <p:sp>
+        <p:nvSpPr>
+          <p:cNvPr id="3" name="Text Box 2"/>
+          <p:cNvSpPr txBox="1"/>
+          <p:nvPr/>
+        </p:nvSpPr>
+        <p:spPr>
+          <a:xfrm>
+            <a:off x="7239000" y="1257300"/>
+            <a:ext cx="10316210" cy="5507990"/>
+          </a:xfrm>
+          <a:prstGeom prst="rect">
+            <a:avLst/>
+          </a:prstGeom>
+          <a:noFill/>
+        </p:spPr>
+        <p:txBody>
+          <a:bodyPr wrap="square" rtlCol="0">
+            <a:spAutoFit/>
+          </a:bodyPr>
+          <a:p>
+            <a:r>
+              <a:rPr sz="3200" b="1" spc="55" dirty="0">
+                <a:solidFill>
+                  <a:srgbClr val="FF1675"/>
+                </a:solidFill>
+                <a:latin typeface="Arial" panose="020B0604020202020204"/>
+                <a:cs typeface="Arial" panose="020B0604020202020204"/>
+              </a:rPr>
+              <a:t>Generate beautiful HTML reports using Allure Report and your Playwright tests.</a:t>
+            </a:r>
+            <a:endParaRPr sz="3200" b="1" spc="55" dirty="0">
+              <a:solidFill>
+                <a:srgbClr val="FF1675"/>
+              </a:solidFill>
+              <a:latin typeface="Arial" panose="020B0604020202020204"/>
+              <a:cs typeface="Arial" panose="020B0604020202020204"/>
+            </a:endParaRPr>
+          </a:p>
+          <a:p>
+            <a:endParaRPr sz="3200" b="1" spc="55" dirty="0">
+              <a:solidFill>
+                <a:srgbClr val="FF1675"/>
+              </a:solidFill>
+              <a:latin typeface="Arial" panose="020B0604020202020204"/>
+              <a:cs typeface="Arial" panose="020B0604020202020204"/>
+            </a:endParaRPr>
+          </a:p>
+          <a:p>
+            <a:r>
+              <a:rPr lang="en-US" sz="3200" b="1" spc="55" dirty="0">
+                <a:solidFill>
+                  <a:srgbClr val="FF1675"/>
+                </a:solidFill>
+                <a:latin typeface="Arial" panose="020B0604020202020204"/>
+                <a:cs typeface="Arial" panose="020B0604020202020204"/>
+              </a:rPr>
+              <a:t>Use the provided functions from  'allure-js-commons' to integrate your Playwright tests with Allure. </a:t>
+            </a:r>
+            <a:endParaRPr lang="en-US" sz="3200" b="1" spc="55" dirty="0">
+              <a:solidFill>
+                <a:srgbClr val="FF1675"/>
+              </a:solidFill>
+              <a:latin typeface="Arial" panose="020B0604020202020204"/>
+              <a:cs typeface="Arial" panose="020B0604020202020204"/>
+            </a:endParaRPr>
+          </a:p>
+          <a:p>
+            <a:endParaRPr lang="en-US" sz="3200" b="1" spc="55" dirty="0">
+              <a:solidFill>
+                <a:srgbClr val="FF1675"/>
+              </a:solidFill>
+              <a:latin typeface="Arial" panose="020B0604020202020204"/>
+              <a:cs typeface="Arial" panose="020B0604020202020204"/>
+            </a:endParaRPr>
+          </a:p>
+          <a:p>
+            <a:r>
+              <a:rPr lang="en-US" sz="3200" b="1" spc="55" dirty="0">
+                <a:solidFill>
+                  <a:srgbClr val="FF1675"/>
+                </a:solidFill>
+                <a:latin typeface="Arial" panose="020B0604020202020204"/>
+                <a:cs typeface="Arial" panose="020B0604020202020204"/>
+              </a:rPr>
+              <a:t>Note that while standard features require importing the test object from Playwright, the additional features also require importing the functions directly from</a:t>
+            </a:r>
+            <a:r>
+              <a:rPr lang="en-US" sz="3200" b="1" spc="55" dirty="0">
+                <a:solidFill>
+                  <a:srgbClr val="FF1675"/>
+                </a:solidFill>
+                <a:latin typeface="Arial" panose="020B0604020202020204"/>
+                <a:cs typeface="Arial" panose="020B0604020202020204"/>
+                <a:sym typeface="+mn-ea"/>
+              </a:rPr>
+              <a:t> 'allure-js-commons'</a:t>
+            </a:r>
+            <a:endParaRPr lang="en-US" sz="3200" b="1" spc="55" dirty="0">
+              <a:solidFill>
+                <a:srgbClr val="FF1675"/>
+              </a:solidFill>
+              <a:latin typeface="Arial" panose="020B0604020202020204"/>
+              <a:cs typeface="Arial" panose="020B0604020202020204"/>
+            </a:endParaRPr>
+          </a:p>
+        </p:txBody>
+      </p:sp>
     </p:spTree>
   </p:cSld>
   <p:clrMapOvr>

--- a/Day 11-13/Slides/11. Playwright Integration with Various Test Frameworks/playwright-integration-with-various-test-frameworks-slides.pptx
+++ b/Day 11-13/Slides/11. Playwright Integration with Various Test Frameworks/playwright-integration-with-various-test-frameworks-slides.pptx
@@ -5323,8 +5323,8 @@
         </p:nvSpPr>
         <p:spPr>
           <a:xfrm>
-            <a:off x="76200" y="9733915"/>
-            <a:ext cx="15816580" cy="347345"/>
+            <a:off x="76200" y="9217660"/>
+            <a:ext cx="15816580" cy="863600"/>
           </a:xfrm>
           <a:prstGeom prst="rect">
             <a:avLst/>
@@ -5380,8 +5380,8 @@
         </p:nvSpPr>
         <p:spPr>
           <a:xfrm>
-            <a:off x="76200" y="9334500"/>
-            <a:ext cx="12198350" cy="337185"/>
+            <a:off x="76200" y="8611235"/>
+            <a:ext cx="12198350" cy="1600200"/>
           </a:xfrm>
           <a:prstGeom prst="rect">
             <a:avLst/>
@@ -5389,7 +5389,7 @@
         </p:spPr>
         <p:txBody>
           <a:bodyPr wrap="square">
-            <a:spAutoFit/>
+            <a:noAutofit/>
           </a:bodyPr>
           <a:p>
             <a:pPr defTabSz="266700"/>
